--- a/cover作成.pptx
+++ b/cover作成.pptx
@@ -8,6 +8,7 @@
     <p:sldId id="256" r:id="rId2"/>
     <p:sldId id="258" r:id="rId3"/>
     <p:sldId id="257" r:id="rId4"/>
+    <p:sldId id="259" r:id="rId5"/>
   </p:sldIdLst>
   <p:sldSz cx="12192000" cy="6858000"/>
   <p:notesSz cx="6858000" cy="9144000"/>
@@ -261,7 +262,7 @@
           <a:p>
             <a:fld id="{C126DC1E-A98C-43DE-A920-3EA804B6DAC3}" type="datetimeFigureOut">
               <a:rPr kumimoji="1" lang="ja-JP" altLang="en-US" smtClean="0"/>
-              <a:t>2023/11/29</a:t>
+              <a:t>2023/12/18</a:t>
             </a:fld>
             <a:endParaRPr kumimoji="1" lang="ja-JP" altLang="en-US"/>
           </a:p>
@@ -491,7 +492,7 @@
           <a:p>
             <a:fld id="{C126DC1E-A98C-43DE-A920-3EA804B6DAC3}" type="datetimeFigureOut">
               <a:rPr kumimoji="1" lang="ja-JP" altLang="en-US" smtClean="0"/>
-              <a:t>2023/11/29</a:t>
+              <a:t>2023/12/18</a:t>
             </a:fld>
             <a:endParaRPr kumimoji="1" lang="ja-JP" altLang="en-US"/>
           </a:p>
@@ -731,7 +732,7 @@
           <a:p>
             <a:fld id="{C126DC1E-A98C-43DE-A920-3EA804B6DAC3}" type="datetimeFigureOut">
               <a:rPr kumimoji="1" lang="ja-JP" altLang="en-US" smtClean="0"/>
-              <a:t>2023/11/29</a:t>
+              <a:t>2023/12/18</a:t>
             </a:fld>
             <a:endParaRPr kumimoji="1" lang="ja-JP" altLang="en-US"/>
           </a:p>
@@ -961,7 +962,7 @@
           <a:p>
             <a:fld id="{C126DC1E-A98C-43DE-A920-3EA804B6DAC3}" type="datetimeFigureOut">
               <a:rPr kumimoji="1" lang="ja-JP" altLang="en-US" smtClean="0"/>
-              <a:t>2023/11/29</a:t>
+              <a:t>2023/12/18</a:t>
             </a:fld>
             <a:endParaRPr kumimoji="1" lang="ja-JP" altLang="en-US"/>
           </a:p>
@@ -1236,7 +1237,7 @@
           <a:p>
             <a:fld id="{C126DC1E-A98C-43DE-A920-3EA804B6DAC3}" type="datetimeFigureOut">
               <a:rPr kumimoji="1" lang="ja-JP" altLang="en-US" smtClean="0"/>
-              <a:t>2023/11/29</a:t>
+              <a:t>2023/12/18</a:t>
             </a:fld>
             <a:endParaRPr kumimoji="1" lang="ja-JP" altLang="en-US"/>
           </a:p>
@@ -1565,7 +1566,7 @@
           <a:p>
             <a:fld id="{C126DC1E-A98C-43DE-A920-3EA804B6DAC3}" type="datetimeFigureOut">
               <a:rPr kumimoji="1" lang="ja-JP" altLang="en-US" smtClean="0"/>
-              <a:t>2023/11/29</a:t>
+              <a:t>2023/12/18</a:t>
             </a:fld>
             <a:endParaRPr kumimoji="1" lang="ja-JP" altLang="en-US"/>
           </a:p>
@@ -2041,7 +2042,7 @@
           <a:p>
             <a:fld id="{C126DC1E-A98C-43DE-A920-3EA804B6DAC3}" type="datetimeFigureOut">
               <a:rPr kumimoji="1" lang="ja-JP" altLang="en-US" smtClean="0"/>
-              <a:t>2023/11/29</a:t>
+              <a:t>2023/12/18</a:t>
             </a:fld>
             <a:endParaRPr kumimoji="1" lang="ja-JP" altLang="en-US"/>
           </a:p>
@@ -2182,7 +2183,7 @@
           <a:p>
             <a:fld id="{C126DC1E-A98C-43DE-A920-3EA804B6DAC3}" type="datetimeFigureOut">
               <a:rPr kumimoji="1" lang="ja-JP" altLang="en-US" smtClean="0"/>
-              <a:t>2023/11/29</a:t>
+              <a:t>2023/12/18</a:t>
             </a:fld>
             <a:endParaRPr kumimoji="1" lang="ja-JP" altLang="en-US"/>
           </a:p>
@@ -2295,7 +2296,7 @@
           <a:p>
             <a:fld id="{C126DC1E-A98C-43DE-A920-3EA804B6DAC3}" type="datetimeFigureOut">
               <a:rPr kumimoji="1" lang="ja-JP" altLang="en-US" smtClean="0"/>
-              <a:t>2023/11/29</a:t>
+              <a:t>2023/12/18</a:t>
             </a:fld>
             <a:endParaRPr kumimoji="1" lang="ja-JP" altLang="en-US"/>
           </a:p>
@@ -2638,7 +2639,7 @@
           <a:p>
             <a:fld id="{C126DC1E-A98C-43DE-A920-3EA804B6DAC3}" type="datetimeFigureOut">
               <a:rPr kumimoji="1" lang="ja-JP" altLang="en-US" smtClean="0"/>
-              <a:t>2023/11/29</a:t>
+              <a:t>2023/12/18</a:t>
             </a:fld>
             <a:endParaRPr kumimoji="1" lang="ja-JP" altLang="en-US"/>
           </a:p>
@@ -2926,7 +2927,7 @@
           <a:p>
             <a:fld id="{C126DC1E-A98C-43DE-A920-3EA804B6DAC3}" type="datetimeFigureOut">
               <a:rPr kumimoji="1" lang="ja-JP" altLang="en-US" smtClean="0"/>
-              <a:t>2023/11/29</a:t>
+              <a:t>2023/12/18</a:t>
             </a:fld>
             <a:endParaRPr kumimoji="1" lang="ja-JP" altLang="en-US"/>
           </a:p>
@@ -3199,7 +3200,7 @@
           <a:p>
             <a:fld id="{C126DC1E-A98C-43DE-A920-3EA804B6DAC3}" type="datetimeFigureOut">
               <a:rPr kumimoji="1" lang="ja-JP" altLang="en-US" smtClean="0"/>
-              <a:t>2023/11/29</a:t>
+              <a:t>2023/12/18</a:t>
             </a:fld>
             <a:endParaRPr kumimoji="1" lang="ja-JP" altLang="en-US"/>
           </a:p>
@@ -4017,6 +4018,130 @@
 </p:sld>
 </file>
 
+<file path=ppt/slides/slide4.xml><?xml version="1.0" encoding="utf-8"?>
+<p:sld xmlns:a="http://schemas.openxmlformats.org/drawingml/2006/main" xmlns:r="http://schemas.openxmlformats.org/officeDocument/2006/relationships" xmlns:p="http://schemas.openxmlformats.org/presentationml/2006/main">
+  <p:cSld>
+    <p:spTree>
+      <p:nvGrpSpPr>
+        <p:cNvPr id="1" name=""/>
+        <p:cNvGrpSpPr/>
+        <p:nvPr/>
+      </p:nvGrpSpPr>
+      <p:grpSpPr>
+        <a:xfrm>
+          <a:off x="0" y="0"/>
+          <a:ext cx="0" cy="0"/>
+          <a:chOff x="0" y="0"/>
+          <a:chExt cx="0" cy="0"/>
+        </a:xfrm>
+      </p:grpSpPr>
+      <p:pic>
+        <p:nvPicPr>
+          <p:cNvPr id="1026" name="Picture 2">
+            <a:extLst>
+              <a:ext uri="{FF2B5EF4-FFF2-40B4-BE49-F238E27FC236}">
+                <a16:creationId xmlns:a16="http://schemas.microsoft.com/office/drawing/2014/main" id="{750CE5B4-E857-8BFB-1C0D-490B75975585}"/>
+              </a:ext>
+            </a:extLst>
+          </p:cNvPr>
+          <p:cNvPicPr>
+            <a:picLocks noChangeAspect="1" noChangeArrowheads="1"/>
+          </p:cNvPicPr>
+          <p:nvPr/>
+        </p:nvPicPr>
+        <p:blipFill>
+          <a:blip r:embed="rId2">
+            <a:extLst>
+              <a:ext uri="{28A0092B-C50C-407E-A947-70E740481C1C}">
+                <a14:useLocalDpi xmlns:a14="http://schemas.microsoft.com/office/drawing/2010/main" val="0"/>
+              </a:ext>
+            </a:extLst>
+          </a:blip>
+          <a:srcRect/>
+          <a:stretch>
+            <a:fillRect/>
+          </a:stretch>
+        </p:blipFill>
+        <p:spPr bwMode="auto">
+          <a:xfrm>
+            <a:off x="830093" y="823607"/>
+            <a:ext cx="5210785" cy="5210785"/>
+          </a:xfrm>
+          <a:prstGeom prst="rect">
+            <a:avLst/>
+          </a:prstGeom>
+          <a:noFill/>
+          <a:extLst>
+            <a:ext uri="{909E8E84-426E-40DD-AFC4-6F175D3DCCD1}">
+              <a14:hiddenFill xmlns:a14="http://schemas.microsoft.com/office/drawing/2010/main">
+                <a:solidFill>
+                  <a:srgbClr val="FFFFFF"/>
+                </a:solidFill>
+              </a14:hiddenFill>
+            </a:ext>
+          </a:extLst>
+        </p:spPr>
+      </p:pic>
+      <p:pic>
+        <p:nvPicPr>
+          <p:cNvPr id="1030" name="Picture 6" descr="Docker, logo, logos icon - Free download on Iconfinder">
+            <a:extLst>
+              <a:ext uri="{FF2B5EF4-FFF2-40B4-BE49-F238E27FC236}">
+                <a16:creationId xmlns:a16="http://schemas.microsoft.com/office/drawing/2014/main" id="{A9A18FC1-7528-87FA-F867-47BB66DF1CC8}"/>
+              </a:ext>
+            </a:extLst>
+          </p:cNvPr>
+          <p:cNvPicPr>
+            <a:picLocks noChangeAspect="1" noChangeArrowheads="1"/>
+          </p:cNvPicPr>
+          <p:nvPr/>
+        </p:nvPicPr>
+        <p:blipFill>
+          <a:blip r:embed="rId3">
+            <a:extLst>
+              <a:ext uri="{28A0092B-C50C-407E-A947-70E740481C1C}">
+                <a14:useLocalDpi xmlns:a14="http://schemas.microsoft.com/office/drawing/2010/main" val="0"/>
+              </a:ext>
+            </a:extLst>
+          </a:blip>
+          <a:srcRect/>
+          <a:stretch>
+            <a:fillRect/>
+          </a:stretch>
+        </p:blipFill>
+        <p:spPr bwMode="auto">
+          <a:xfrm>
+            <a:off x="6744512" y="903050"/>
+            <a:ext cx="4876800" cy="4876800"/>
+          </a:xfrm>
+          <a:prstGeom prst="rect">
+            <a:avLst/>
+          </a:prstGeom>
+          <a:noFill/>
+          <a:extLst>
+            <a:ext uri="{909E8E84-426E-40DD-AFC4-6F175D3DCCD1}">
+              <a14:hiddenFill xmlns:a14="http://schemas.microsoft.com/office/drawing/2010/main">
+                <a:solidFill>
+                  <a:srgbClr val="FFFFFF"/>
+                </a:solidFill>
+              </a14:hiddenFill>
+            </a:ext>
+          </a:extLst>
+        </p:spPr>
+      </p:pic>
+    </p:spTree>
+    <p:extLst>
+      <p:ext uri="{BB962C8B-B14F-4D97-AF65-F5344CB8AC3E}">
+        <p14:creationId xmlns:p14="http://schemas.microsoft.com/office/powerpoint/2010/main" val="148151429"/>
+      </p:ext>
+    </p:extLst>
+  </p:cSld>
+  <p:clrMapOvr>
+    <a:masterClrMapping/>
+  </p:clrMapOvr>
+</p:sld>
+</file>
+
 <file path=ppt/theme/theme1.xml><?xml version="1.0" encoding="utf-8"?>
 <a:theme xmlns:a="http://schemas.openxmlformats.org/drawingml/2006/main" name="Office テーマ">
   <a:themeElements>

--- a/cover作成.pptx
+++ b/cover作成.pptx
@@ -9,6 +9,7 @@
     <p:sldId id="258" r:id="rId3"/>
     <p:sldId id="257" r:id="rId4"/>
     <p:sldId id="259" r:id="rId5"/>
+    <p:sldId id="260" r:id="rId6"/>
   </p:sldIdLst>
   <p:sldSz cx="12192000" cy="6858000"/>
   <p:notesSz cx="6858000" cy="9144000"/>
@@ -262,7 +263,7 @@
           <a:p>
             <a:fld id="{C126DC1E-A98C-43DE-A920-3EA804B6DAC3}" type="datetimeFigureOut">
               <a:rPr kumimoji="1" lang="ja-JP" altLang="en-US" smtClean="0"/>
-              <a:t>2023/12/18</a:t>
+              <a:t>2023/12/26</a:t>
             </a:fld>
             <a:endParaRPr kumimoji="1" lang="ja-JP" altLang="en-US"/>
           </a:p>
@@ -492,7 +493,7 @@
           <a:p>
             <a:fld id="{C126DC1E-A98C-43DE-A920-3EA804B6DAC3}" type="datetimeFigureOut">
               <a:rPr kumimoji="1" lang="ja-JP" altLang="en-US" smtClean="0"/>
-              <a:t>2023/12/18</a:t>
+              <a:t>2023/12/26</a:t>
             </a:fld>
             <a:endParaRPr kumimoji="1" lang="ja-JP" altLang="en-US"/>
           </a:p>
@@ -732,7 +733,7 @@
           <a:p>
             <a:fld id="{C126DC1E-A98C-43DE-A920-3EA804B6DAC3}" type="datetimeFigureOut">
               <a:rPr kumimoji="1" lang="ja-JP" altLang="en-US" smtClean="0"/>
-              <a:t>2023/12/18</a:t>
+              <a:t>2023/12/26</a:t>
             </a:fld>
             <a:endParaRPr kumimoji="1" lang="ja-JP" altLang="en-US"/>
           </a:p>
@@ -962,7 +963,7 @@
           <a:p>
             <a:fld id="{C126DC1E-A98C-43DE-A920-3EA804B6DAC3}" type="datetimeFigureOut">
               <a:rPr kumimoji="1" lang="ja-JP" altLang="en-US" smtClean="0"/>
-              <a:t>2023/12/18</a:t>
+              <a:t>2023/12/26</a:t>
             </a:fld>
             <a:endParaRPr kumimoji="1" lang="ja-JP" altLang="en-US"/>
           </a:p>
@@ -1237,7 +1238,7 @@
           <a:p>
             <a:fld id="{C126DC1E-A98C-43DE-A920-3EA804B6DAC3}" type="datetimeFigureOut">
               <a:rPr kumimoji="1" lang="ja-JP" altLang="en-US" smtClean="0"/>
-              <a:t>2023/12/18</a:t>
+              <a:t>2023/12/26</a:t>
             </a:fld>
             <a:endParaRPr kumimoji="1" lang="ja-JP" altLang="en-US"/>
           </a:p>
@@ -1566,7 +1567,7 @@
           <a:p>
             <a:fld id="{C126DC1E-A98C-43DE-A920-3EA804B6DAC3}" type="datetimeFigureOut">
               <a:rPr kumimoji="1" lang="ja-JP" altLang="en-US" smtClean="0"/>
-              <a:t>2023/12/18</a:t>
+              <a:t>2023/12/26</a:t>
             </a:fld>
             <a:endParaRPr kumimoji="1" lang="ja-JP" altLang="en-US"/>
           </a:p>
@@ -2042,7 +2043,7 @@
           <a:p>
             <a:fld id="{C126DC1E-A98C-43DE-A920-3EA804B6DAC3}" type="datetimeFigureOut">
               <a:rPr kumimoji="1" lang="ja-JP" altLang="en-US" smtClean="0"/>
-              <a:t>2023/12/18</a:t>
+              <a:t>2023/12/26</a:t>
             </a:fld>
             <a:endParaRPr kumimoji="1" lang="ja-JP" altLang="en-US"/>
           </a:p>
@@ -2183,7 +2184,7 @@
           <a:p>
             <a:fld id="{C126DC1E-A98C-43DE-A920-3EA804B6DAC3}" type="datetimeFigureOut">
               <a:rPr kumimoji="1" lang="ja-JP" altLang="en-US" smtClean="0"/>
-              <a:t>2023/12/18</a:t>
+              <a:t>2023/12/26</a:t>
             </a:fld>
             <a:endParaRPr kumimoji="1" lang="ja-JP" altLang="en-US"/>
           </a:p>
@@ -2296,7 +2297,7 @@
           <a:p>
             <a:fld id="{C126DC1E-A98C-43DE-A920-3EA804B6DAC3}" type="datetimeFigureOut">
               <a:rPr kumimoji="1" lang="ja-JP" altLang="en-US" smtClean="0"/>
-              <a:t>2023/12/18</a:t>
+              <a:t>2023/12/26</a:t>
             </a:fld>
             <a:endParaRPr kumimoji="1" lang="ja-JP" altLang="en-US"/>
           </a:p>
@@ -2639,7 +2640,7 @@
           <a:p>
             <a:fld id="{C126DC1E-A98C-43DE-A920-3EA804B6DAC3}" type="datetimeFigureOut">
               <a:rPr kumimoji="1" lang="ja-JP" altLang="en-US" smtClean="0"/>
-              <a:t>2023/12/18</a:t>
+              <a:t>2023/12/26</a:t>
             </a:fld>
             <a:endParaRPr kumimoji="1" lang="ja-JP" altLang="en-US"/>
           </a:p>
@@ -2927,7 +2928,7 @@
           <a:p>
             <a:fld id="{C126DC1E-A98C-43DE-A920-3EA804B6DAC3}" type="datetimeFigureOut">
               <a:rPr kumimoji="1" lang="ja-JP" altLang="en-US" smtClean="0"/>
-              <a:t>2023/12/18</a:t>
+              <a:t>2023/12/26</a:t>
             </a:fld>
             <a:endParaRPr kumimoji="1" lang="ja-JP" altLang="en-US"/>
           </a:p>
@@ -3200,7 +3201,7 @@
           <a:p>
             <a:fld id="{C126DC1E-A98C-43DE-A920-3EA804B6DAC3}" type="datetimeFigureOut">
               <a:rPr kumimoji="1" lang="ja-JP" altLang="en-US" smtClean="0"/>
-              <a:t>2023/12/18</a:t>
+              <a:t>2023/12/26</a:t>
             </a:fld>
             <a:endParaRPr kumimoji="1" lang="ja-JP" altLang="en-US"/>
           </a:p>
@@ -4142,6 +4143,154 @@
 </p:sld>
 </file>
 
+<file path=ppt/slides/slide5.xml><?xml version="1.0" encoding="utf-8"?>
+<p:sld xmlns:a="http://schemas.openxmlformats.org/drawingml/2006/main" xmlns:r="http://schemas.openxmlformats.org/officeDocument/2006/relationships" xmlns:p="http://schemas.openxmlformats.org/presentationml/2006/main">
+  <p:cSld>
+    <p:spTree>
+      <p:nvGrpSpPr>
+        <p:cNvPr id="1" name=""/>
+        <p:cNvGrpSpPr/>
+        <p:nvPr/>
+      </p:nvGrpSpPr>
+      <p:grpSpPr>
+        <a:xfrm>
+          <a:off x="0" y="0"/>
+          <a:ext cx="0" cy="0"/>
+          <a:chOff x="0" y="0"/>
+          <a:chExt cx="0" cy="0"/>
+        </a:xfrm>
+      </p:grpSpPr>
+      <p:pic>
+        <p:nvPicPr>
+          <p:cNvPr id="4" name="図 3">
+            <a:extLst>
+              <a:ext uri="{FF2B5EF4-FFF2-40B4-BE49-F238E27FC236}">
+                <a16:creationId xmlns:a16="http://schemas.microsoft.com/office/drawing/2014/main" id="{B065BB20-0C7B-0218-7A03-A839A667542D}"/>
+              </a:ext>
+            </a:extLst>
+          </p:cNvPr>
+          <p:cNvPicPr>
+            <a:picLocks noChangeAspect="1"/>
+          </p:cNvPicPr>
+          <p:nvPr/>
+        </p:nvPicPr>
+        <p:blipFill>
+          <a:blip r:embed="rId2">
+            <a:extLst>
+              <a:ext uri="{28A0092B-C50C-407E-A947-70E740481C1C}">
+                <a14:useLocalDpi xmlns:a14="http://schemas.microsoft.com/office/drawing/2010/main" val="0"/>
+              </a:ext>
+            </a:extLst>
+          </a:blip>
+          <a:stretch>
+            <a:fillRect/>
+          </a:stretch>
+        </p:blipFill>
+        <p:spPr>
+          <a:xfrm>
+            <a:off x="4500667" y="528535"/>
+            <a:ext cx="3618692" cy="3618692"/>
+          </a:xfrm>
+          <a:prstGeom prst="rect">
+            <a:avLst/>
+          </a:prstGeom>
+        </p:spPr>
+      </p:pic>
+      <p:sp>
+        <p:nvSpPr>
+          <p:cNvPr id="5" name="テキスト ボックス 4">
+            <a:extLst>
+              <a:ext uri="{FF2B5EF4-FFF2-40B4-BE49-F238E27FC236}">
+                <a16:creationId xmlns:a16="http://schemas.microsoft.com/office/drawing/2014/main" id="{44BF67F6-5952-750A-8993-DFFEBBF45A47}"/>
+              </a:ext>
+            </a:extLst>
+          </p:cNvPr>
+          <p:cNvSpPr txBox="1"/>
+          <p:nvPr/>
+        </p:nvSpPr>
+        <p:spPr>
+          <a:xfrm>
+            <a:off x="364790" y="1099017"/>
+            <a:ext cx="4135877" cy="5386090"/>
+          </a:xfrm>
+          <a:prstGeom prst="rect">
+            <a:avLst/>
+          </a:prstGeom>
+          <a:noFill/>
+        </p:spPr>
+        <p:txBody>
+          <a:bodyPr wrap="square" rtlCol="0">
+            <a:spAutoFit/>
+          </a:bodyPr>
+          <a:lstStyle/>
+          <a:p>
+            <a:r>
+              <a:rPr kumimoji="1" lang="ja-JP" altLang="en-US" sz="34400" dirty="0"/>
+              <a:t>🦙</a:t>
+            </a:r>
+          </a:p>
+        </p:txBody>
+      </p:sp>
+      <p:pic>
+        <p:nvPicPr>
+          <p:cNvPr id="2" name="Picture 6" descr="Docker, logo, logos icon - Free download on Iconfinder">
+            <a:extLst>
+              <a:ext uri="{FF2B5EF4-FFF2-40B4-BE49-F238E27FC236}">
+                <a16:creationId xmlns:a16="http://schemas.microsoft.com/office/drawing/2014/main" id="{A8CC8C73-DDE1-5915-8AFF-657C5D438182}"/>
+              </a:ext>
+            </a:extLst>
+          </p:cNvPr>
+          <p:cNvPicPr>
+            <a:picLocks noChangeAspect="1" noChangeArrowheads="1"/>
+          </p:cNvPicPr>
+          <p:nvPr/>
+        </p:nvPicPr>
+        <p:blipFill>
+          <a:blip r:embed="rId3">
+            <a:extLst>
+              <a:ext uri="{28A0092B-C50C-407E-A947-70E740481C1C}">
+                <a14:useLocalDpi xmlns:a14="http://schemas.microsoft.com/office/drawing/2010/main" val="0"/>
+              </a:ext>
+            </a:extLst>
+          </a:blip>
+          <a:srcRect/>
+          <a:stretch>
+            <a:fillRect/>
+          </a:stretch>
+        </p:blipFill>
+        <p:spPr bwMode="auto">
+          <a:xfrm>
+            <a:off x="6867728" y="1854741"/>
+            <a:ext cx="4876800" cy="4876800"/>
+          </a:xfrm>
+          <a:prstGeom prst="rect">
+            <a:avLst/>
+          </a:prstGeom>
+          <a:noFill/>
+          <a:extLst>
+            <a:ext uri="{909E8E84-426E-40DD-AFC4-6F175D3DCCD1}">
+              <a14:hiddenFill xmlns:a14="http://schemas.microsoft.com/office/drawing/2010/main">
+                <a:solidFill>
+                  <a:srgbClr val="FFFFFF"/>
+                </a:solidFill>
+              </a14:hiddenFill>
+            </a:ext>
+          </a:extLst>
+        </p:spPr>
+      </p:pic>
+    </p:spTree>
+    <p:extLst>
+      <p:ext uri="{BB962C8B-B14F-4D97-AF65-F5344CB8AC3E}">
+        <p14:creationId xmlns:p14="http://schemas.microsoft.com/office/powerpoint/2010/main" val="1404676512"/>
+      </p:ext>
+    </p:extLst>
+  </p:cSld>
+  <p:clrMapOvr>
+    <a:masterClrMapping/>
+  </p:clrMapOvr>
+</p:sld>
+</file>
+
 <file path=ppt/theme/theme1.xml><?xml version="1.0" encoding="utf-8"?>
 <a:theme xmlns:a="http://schemas.openxmlformats.org/drawingml/2006/main" name="Office テーマ">
   <a:themeElements>
